--- a/PowerShell Error Handling.pptx
+++ b/PowerShell Error Handling.pptx
@@ -13,16 +13,17 @@
     <p:sldId id="260" r:id="rId7"/>
     <p:sldId id="261" r:id="rId8"/>
     <p:sldId id="262" r:id="rId9"/>
-    <p:sldId id="263" r:id="rId10"/>
-    <p:sldId id="264" r:id="rId11"/>
-    <p:sldId id="265" r:id="rId12"/>
-    <p:sldId id="266" r:id="rId13"/>
-    <p:sldId id="267" r:id="rId14"/>
-    <p:sldId id="268" r:id="rId15"/>
-    <p:sldId id="269" r:id="rId16"/>
-    <p:sldId id="270" r:id="rId17"/>
-    <p:sldId id="271" r:id="rId18"/>
-    <p:sldId id="273" r:id="rId19"/>
+    <p:sldId id="274" r:id="rId10"/>
+    <p:sldId id="263" r:id="rId11"/>
+    <p:sldId id="264" r:id="rId12"/>
+    <p:sldId id="265" r:id="rId13"/>
+    <p:sldId id="266" r:id="rId14"/>
+    <p:sldId id="267" r:id="rId15"/>
+    <p:sldId id="268" r:id="rId16"/>
+    <p:sldId id="269" r:id="rId17"/>
+    <p:sldId id="270" r:id="rId18"/>
+    <p:sldId id="271" r:id="rId19"/>
+    <p:sldId id="273" r:id="rId20"/>
   </p:sldIdLst>
   <p:sldSz cx="12192000" cy="6858000"/>
   <p:notesSz cx="6858000" cy="9144000"/>
@@ -886,7 +887,7 @@
           <a:p>
             <a:fld id="{512DCE10-C195-4254-BB30-232D2212A7E7}" type="datetimeFigureOut">
               <a:rPr lang="en-US" smtClean="0"/>
-              <a:t>6/6/2017</a:t>
+              <a:t>8/17/2017</a:t>
             </a:fld>
             <a:endParaRPr lang="en-US"/>
           </a:p>
@@ -1137,7 +1138,7 @@
           <a:p>
             <a:fld id="{512DCE10-C195-4254-BB30-232D2212A7E7}" type="datetimeFigureOut">
               <a:rPr lang="en-US" smtClean="0"/>
-              <a:t>6/6/2017</a:t>
+              <a:t>8/17/2017</a:t>
             </a:fld>
             <a:endParaRPr lang="en-US"/>
           </a:p>
@@ -1451,7 +1452,7 @@
           <a:p>
             <a:fld id="{512DCE10-C195-4254-BB30-232D2212A7E7}" type="datetimeFigureOut">
               <a:rPr lang="en-US" smtClean="0"/>
-              <a:t>6/6/2017</a:t>
+              <a:t>8/17/2017</a:t>
             </a:fld>
             <a:endParaRPr lang="en-US"/>
           </a:p>
@@ -1784,7 +1785,7 @@
           <a:p>
             <a:fld id="{512DCE10-C195-4254-BB30-232D2212A7E7}" type="datetimeFigureOut">
               <a:rPr lang="en-US" smtClean="0"/>
-              <a:t>6/6/2017</a:t>
+              <a:t>8/17/2017</a:t>
             </a:fld>
             <a:endParaRPr lang="en-US"/>
           </a:p>
@@ -2098,7 +2099,7 @@
           <a:p>
             <a:fld id="{512DCE10-C195-4254-BB30-232D2212A7E7}" type="datetimeFigureOut">
               <a:rPr lang="en-US" smtClean="0"/>
-              <a:t>6/6/2017</a:t>
+              <a:t>8/17/2017</a:t>
             </a:fld>
             <a:endParaRPr lang="en-US"/>
           </a:p>
@@ -2491,7 +2492,7 @@
           <a:p>
             <a:fld id="{512DCE10-C195-4254-BB30-232D2212A7E7}" type="datetimeFigureOut">
               <a:rPr lang="en-US" smtClean="0"/>
-              <a:t>6/6/2017</a:t>
+              <a:t>8/17/2017</a:t>
             </a:fld>
             <a:endParaRPr lang="en-US"/>
           </a:p>
@@ -2661,7 +2662,7 @@
           <a:p>
             <a:fld id="{512DCE10-C195-4254-BB30-232D2212A7E7}" type="datetimeFigureOut">
               <a:rPr lang="en-US" smtClean="0"/>
-              <a:t>6/6/2017</a:t>
+              <a:t>8/17/2017</a:t>
             </a:fld>
             <a:endParaRPr lang="en-US"/>
           </a:p>
@@ -2841,7 +2842,7 @@
           <a:p>
             <a:fld id="{512DCE10-C195-4254-BB30-232D2212A7E7}" type="datetimeFigureOut">
               <a:rPr lang="en-US" smtClean="0"/>
-              <a:t>6/6/2017</a:t>
+              <a:t>8/17/2017</a:t>
             </a:fld>
             <a:endParaRPr lang="en-US"/>
           </a:p>
@@ -3011,7 +3012,7 @@
           <a:p>
             <a:fld id="{512DCE10-C195-4254-BB30-232D2212A7E7}" type="datetimeFigureOut">
               <a:rPr lang="en-US" smtClean="0"/>
-              <a:t>6/6/2017</a:t>
+              <a:t>8/17/2017</a:t>
             </a:fld>
             <a:endParaRPr lang="en-US"/>
           </a:p>
@@ -3258,7 +3259,7 @@
           <a:p>
             <a:fld id="{512DCE10-C195-4254-BB30-232D2212A7E7}" type="datetimeFigureOut">
               <a:rPr lang="en-US" smtClean="0"/>
-              <a:t>6/6/2017</a:t>
+              <a:t>8/17/2017</a:t>
             </a:fld>
             <a:endParaRPr lang="en-US"/>
           </a:p>
@@ -3490,7 +3491,7 @@
           <a:p>
             <a:fld id="{512DCE10-C195-4254-BB30-232D2212A7E7}" type="datetimeFigureOut">
               <a:rPr lang="en-US" smtClean="0"/>
-              <a:t>6/6/2017</a:t>
+              <a:t>8/17/2017</a:t>
             </a:fld>
             <a:endParaRPr lang="en-US"/>
           </a:p>
@@ -3864,7 +3865,7 @@
           <a:p>
             <a:fld id="{512DCE10-C195-4254-BB30-232D2212A7E7}" type="datetimeFigureOut">
               <a:rPr lang="en-US" smtClean="0"/>
-              <a:t>6/6/2017</a:t>
+              <a:t>8/17/2017</a:t>
             </a:fld>
             <a:endParaRPr lang="en-US"/>
           </a:p>
@@ -3987,7 +3988,7 @@
           <a:p>
             <a:fld id="{512DCE10-C195-4254-BB30-232D2212A7E7}" type="datetimeFigureOut">
               <a:rPr lang="en-US" smtClean="0"/>
-              <a:t>6/6/2017</a:t>
+              <a:t>8/17/2017</a:t>
             </a:fld>
             <a:endParaRPr lang="en-US"/>
           </a:p>
@@ -4082,7 +4083,7 @@
           <a:p>
             <a:fld id="{512DCE10-C195-4254-BB30-232D2212A7E7}" type="datetimeFigureOut">
               <a:rPr lang="en-US" smtClean="0"/>
-              <a:t>6/6/2017</a:t>
+              <a:t>8/17/2017</a:t>
             </a:fld>
             <a:endParaRPr lang="en-US"/>
           </a:p>
@@ -4337,7 +4338,7 @@
           <a:p>
             <a:fld id="{512DCE10-C195-4254-BB30-232D2212A7E7}" type="datetimeFigureOut">
               <a:rPr lang="en-US" smtClean="0"/>
-              <a:t>6/6/2017</a:t>
+              <a:t>8/17/2017</a:t>
             </a:fld>
             <a:endParaRPr lang="en-US"/>
           </a:p>
@@ -4642,7 +4643,7 @@
           <a:p>
             <a:fld id="{512DCE10-C195-4254-BB30-232D2212A7E7}" type="datetimeFigureOut">
               <a:rPr lang="en-US" smtClean="0"/>
-              <a:t>6/6/2017</a:t>
+              <a:t>8/17/2017</a:t>
             </a:fld>
             <a:endParaRPr lang="en-US"/>
           </a:p>
@@ -5344,7 +5345,7 @@
           <a:p>
             <a:fld id="{512DCE10-C195-4254-BB30-232D2212A7E7}" type="datetimeFigureOut">
               <a:rPr lang="en-US" smtClean="0"/>
-              <a:t>6/6/2017</a:t>
+              <a:t>8/17/2017</a:t>
             </a:fld>
             <a:endParaRPr lang="en-US"/>
           </a:p>
@@ -5975,32 +5976,10 @@
             <p:ph type="title"/>
           </p:nvPr>
         </p:nvSpPr>
-        <p:spPr/>
-        <p:txBody>
-          <a:bodyPr/>
-          <a:lstStyle/>
-          <a:p>
-            <a:r>
-              <a:rPr lang="en-US" dirty="0"/>
-              <a:t>Non-Terminating Errors</a:t>
-            </a:r>
-          </a:p>
-        </p:txBody>
-      </p:sp>
-      <p:sp>
-        <p:nvSpPr>
-          <p:cNvPr id="3" name="Content Placeholder 2"/>
-          <p:cNvSpPr>
-            <a:spLocks noGrp="1"/>
-          </p:cNvSpPr>
-          <p:nvPr>
-            <p:ph idx="1"/>
-          </p:nvPr>
-        </p:nvSpPr>
         <p:spPr>
           <a:xfrm>
-            <a:off x="677334" y="1694577"/>
-            <a:ext cx="8596668" cy="4346786"/>
+            <a:off x="677334" y="609600"/>
+            <a:ext cx="8596668" cy="774583"/>
           </a:xfrm>
         </p:spPr>
         <p:txBody>
@@ -6009,7 +5988,34 @@
           <a:p>
             <a:r>
               <a:rPr lang="en-US" dirty="0"/>
-              <a:t>A non-terminating error is something that you might need to know about, but doesn’t necessarily need to stop the operation from processing</a:t>
+              <a:t>PowerShell Array Parameters</a:t>
+            </a:r>
+          </a:p>
+        </p:txBody>
+      </p:sp>
+      <p:sp>
+        <p:nvSpPr>
+          <p:cNvPr id="3" name="Content Placeholder 2"/>
+          <p:cNvSpPr>
+            <a:spLocks noGrp="1"/>
+          </p:cNvSpPr>
+          <p:nvPr>
+            <p:ph idx="1"/>
+          </p:nvPr>
+        </p:nvSpPr>
+        <p:spPr>
+          <a:xfrm>
+            <a:off x="677333" y="1535185"/>
+            <a:ext cx="9056213" cy="4506177"/>
+          </a:xfrm>
+        </p:spPr>
+        <p:txBody>
+          <a:bodyPr/>
+          <a:lstStyle/>
+          <a:p>
+            <a:r>
+              <a:rPr lang="en-US" dirty="0"/>
+              <a:t>Many (most?) PowerShell cmdlets allow you to pass arrays as arguments</a:t>
             </a:r>
           </a:p>
           <a:p>
@@ -6018,46 +6024,50 @@
           <a:p>
             <a:r>
               <a:rPr lang="en-US" dirty="0"/>
-              <a:t>The default behavior of PowerShell when it encounters a non-terminating error is to:</a:t>
-            </a:r>
-          </a:p>
-          <a:p>
-            <a:pPr>
-              <a:buFont typeface="+mj-lt"/>
-              <a:buAutoNum type="arabicPeriod"/>
-            </a:pPr>
-            <a:r>
-              <a:rPr lang="en-US" dirty="0"/>
-              <a:t>Write the error to the error stream</a:t>
-            </a:r>
-          </a:p>
-          <a:p>
-            <a:pPr>
-              <a:buFont typeface="+mj-lt"/>
-              <a:buAutoNum type="arabicPeriod"/>
-            </a:pPr>
-            <a:r>
-              <a:rPr lang="en-US" dirty="0"/>
-              <a:t>Add the error to the $Error collection</a:t>
-            </a:r>
-          </a:p>
-          <a:p>
-            <a:pPr>
-              <a:buFont typeface="+mj-lt"/>
-              <a:buAutoNum type="arabicPeriod"/>
-            </a:pPr>
-            <a:r>
-              <a:rPr lang="en-US" dirty="0"/>
-              <a:t>Continue processing </a:t>
-            </a:r>
-          </a:p>
-          <a:p>
-            <a:pPr marL="0" indent="0">
-              <a:buNone/>
-            </a:pPr>
-            <a:r>
-              <a:rPr lang="en-US" dirty="0"/>
-              <a:t>When an error “falls out of” the error stream, it is written to the console in a distinctive way that makes it clear it’s an error.</a:t>
+              <a:t>Think about this scenario…</a:t>
+            </a:r>
+          </a:p>
+          <a:p>
+            <a:endParaRPr lang="en-US" dirty="0"/>
+          </a:p>
+          <a:p>
+            <a:r>
+              <a:rPr lang="en-US" dirty="0"/>
+              <a:t>You have a farm of 1000 servers, and have the names in a variable called $servers.</a:t>
+            </a:r>
+          </a:p>
+          <a:p>
+            <a:endParaRPr lang="en-US" dirty="0"/>
+          </a:p>
+          <a:p>
+            <a:r>
+              <a:rPr lang="en-US" dirty="0"/>
+              <a:t>Get-</a:t>
+            </a:r>
+            <a:r>
+              <a:rPr lang="en-US" dirty="0" err="1"/>
+              <a:t>CimInstance</a:t>
+            </a:r>
+            <a:r>
+              <a:rPr lang="en-US" dirty="0"/>
+              <a:t> –Class Win32_OperatingSystem –</a:t>
+            </a:r>
+            <a:r>
+              <a:rPr lang="en-US" dirty="0" err="1"/>
+              <a:t>ComputernName</a:t>
+            </a:r>
+            <a:r>
+              <a:rPr lang="en-US" dirty="0"/>
+              <a:t> $servers</a:t>
+            </a:r>
+          </a:p>
+          <a:p>
+            <a:endParaRPr lang="en-US" dirty="0"/>
+          </a:p>
+          <a:p>
+            <a:r>
+              <a:rPr lang="en-US" dirty="0"/>
+              <a:t>What are the odds that all 1000 servers are responding at a given time.</a:t>
             </a:r>
           </a:p>
         </p:txBody>
@@ -6065,7 +6075,7 @@
     </p:spTree>
     <p:extLst>
       <p:ext uri="{BB962C8B-B14F-4D97-AF65-F5344CB8AC3E}">
-        <p14:creationId xmlns:p14="http://schemas.microsoft.com/office/powerpoint/2010/main" val="885914843"/>
+        <p14:creationId xmlns:p14="http://schemas.microsoft.com/office/powerpoint/2010/main" val="1480106145"/>
       </p:ext>
     </p:extLst>
   </p:cSld>
@@ -6102,6 +6112,133 @@
             <p:ph type="title"/>
           </p:nvPr>
         </p:nvSpPr>
+        <p:spPr/>
+        <p:txBody>
+          <a:bodyPr/>
+          <a:lstStyle/>
+          <a:p>
+            <a:r>
+              <a:rPr lang="en-US" dirty="0"/>
+              <a:t>Non-Terminating Errors</a:t>
+            </a:r>
+          </a:p>
+        </p:txBody>
+      </p:sp>
+      <p:sp>
+        <p:nvSpPr>
+          <p:cNvPr id="3" name="Content Placeholder 2"/>
+          <p:cNvSpPr>
+            <a:spLocks noGrp="1"/>
+          </p:cNvSpPr>
+          <p:nvPr>
+            <p:ph idx="1"/>
+          </p:nvPr>
+        </p:nvSpPr>
+        <p:spPr>
+          <a:xfrm>
+            <a:off x="677334" y="1694577"/>
+            <a:ext cx="8596668" cy="4346786"/>
+          </a:xfrm>
+        </p:spPr>
+        <p:txBody>
+          <a:bodyPr/>
+          <a:lstStyle/>
+          <a:p>
+            <a:r>
+              <a:rPr lang="en-US" dirty="0"/>
+              <a:t>A non-terminating error is something that you might need to know about, but doesn’t necessarily need to stop the operation from processing</a:t>
+            </a:r>
+          </a:p>
+          <a:p>
+            <a:endParaRPr lang="en-US" dirty="0"/>
+          </a:p>
+          <a:p>
+            <a:r>
+              <a:rPr lang="en-US" dirty="0"/>
+              <a:t>The default behavior of PowerShell when it encounters a non-terminating error is to:</a:t>
+            </a:r>
+          </a:p>
+          <a:p>
+            <a:pPr>
+              <a:buFont typeface="+mj-lt"/>
+              <a:buAutoNum type="arabicPeriod"/>
+            </a:pPr>
+            <a:r>
+              <a:rPr lang="en-US" dirty="0"/>
+              <a:t>Write the error to the error stream</a:t>
+            </a:r>
+          </a:p>
+          <a:p>
+            <a:pPr>
+              <a:buFont typeface="+mj-lt"/>
+              <a:buAutoNum type="arabicPeriod"/>
+            </a:pPr>
+            <a:r>
+              <a:rPr lang="en-US" dirty="0"/>
+              <a:t>Add the error to the $Error collection</a:t>
+            </a:r>
+          </a:p>
+          <a:p>
+            <a:pPr>
+              <a:buFont typeface="+mj-lt"/>
+              <a:buAutoNum type="arabicPeriod"/>
+            </a:pPr>
+            <a:r>
+              <a:rPr lang="en-US" dirty="0"/>
+              <a:t>Continue processing </a:t>
+            </a:r>
+          </a:p>
+          <a:p>
+            <a:pPr marL="0" indent="0">
+              <a:buNone/>
+            </a:pPr>
+            <a:r>
+              <a:rPr lang="en-US" dirty="0"/>
+              <a:t>When an error “falls out of” the error stream, it is written to the console in a distinctive way that makes it clear it’s an error.</a:t>
+            </a:r>
+          </a:p>
+        </p:txBody>
+      </p:sp>
+    </p:spTree>
+    <p:extLst>
+      <p:ext uri="{BB962C8B-B14F-4D97-AF65-F5344CB8AC3E}">
+        <p14:creationId xmlns:p14="http://schemas.microsoft.com/office/powerpoint/2010/main" val="885914843"/>
+      </p:ext>
+    </p:extLst>
+  </p:cSld>
+  <p:clrMapOvr>
+    <a:masterClrMapping/>
+  </p:clrMapOvr>
+</p:sld>
+</file>
+
+<file path=ppt/slides/slide12.xml><?xml version="1.0" encoding="utf-8"?>
+<p:sld xmlns:a="http://schemas.openxmlformats.org/drawingml/2006/main" xmlns:r="http://schemas.openxmlformats.org/officeDocument/2006/relationships" xmlns:p="http://schemas.openxmlformats.org/presentationml/2006/main">
+  <p:cSld>
+    <p:spTree>
+      <p:nvGrpSpPr>
+        <p:cNvPr id="1" name=""/>
+        <p:cNvGrpSpPr/>
+        <p:nvPr/>
+      </p:nvGrpSpPr>
+      <p:grpSpPr>
+        <a:xfrm>
+          <a:off x="0" y="0"/>
+          <a:ext cx="0" cy="0"/>
+          <a:chOff x="0" y="0"/>
+          <a:chExt cx="0" cy="0"/>
+        </a:xfrm>
+      </p:grpSpPr>
+      <p:sp>
+        <p:nvSpPr>
+          <p:cNvPr id="2" name="Title 1"/>
+          <p:cNvSpPr>
+            <a:spLocks noGrp="1"/>
+          </p:cNvSpPr>
+          <p:nvPr>
+            <p:ph type="title"/>
+          </p:nvPr>
+        </p:nvSpPr>
         <p:spPr>
           <a:xfrm>
             <a:off x="677334" y="609600"/>
@@ -6252,7 +6389,7 @@
 </p:sld>
 </file>
 
-<file path=ppt/slides/slide12.xml><?xml version="1.0" encoding="utf-8"?>
+<file path=ppt/slides/slide13.xml><?xml version="1.0" encoding="utf-8"?>
 <p:sld xmlns:a="http://schemas.openxmlformats.org/drawingml/2006/main" xmlns:r="http://schemas.openxmlformats.org/officeDocument/2006/relationships" xmlns:p="http://schemas.openxmlformats.org/presentationml/2006/main">
   <p:cSld>
     <p:spTree>
@@ -6529,176 +6666,6 @@
 </p:sld>
 </file>
 
-<file path=ppt/slides/slide13.xml><?xml version="1.0" encoding="utf-8"?>
-<p:sld xmlns:a="http://schemas.openxmlformats.org/drawingml/2006/main" xmlns:r="http://schemas.openxmlformats.org/officeDocument/2006/relationships" xmlns:p="http://schemas.openxmlformats.org/presentationml/2006/main">
-  <p:cSld>
-    <p:spTree>
-      <p:nvGrpSpPr>
-        <p:cNvPr id="1" name=""/>
-        <p:cNvGrpSpPr/>
-        <p:nvPr/>
-      </p:nvGrpSpPr>
-      <p:grpSpPr>
-        <a:xfrm>
-          <a:off x="0" y="0"/>
-          <a:ext cx="0" cy="0"/>
-          <a:chOff x="0" y="0"/>
-          <a:chExt cx="0" cy="0"/>
-        </a:xfrm>
-      </p:grpSpPr>
-      <p:sp>
-        <p:nvSpPr>
-          <p:cNvPr id="2" name="Title 1"/>
-          <p:cNvSpPr>
-            <a:spLocks noGrp="1"/>
-          </p:cNvSpPr>
-          <p:nvPr>
-            <p:ph type="title"/>
-          </p:nvPr>
-        </p:nvSpPr>
-        <p:spPr/>
-        <p:txBody>
-          <a:bodyPr/>
-          <a:lstStyle/>
-          <a:p>
-            <a:r>
-              <a:rPr lang="en-US" dirty="0"/>
-              <a:t>Dealing with 1000 servers (take 1)</a:t>
-            </a:r>
-          </a:p>
-        </p:txBody>
-      </p:sp>
-      <p:sp>
-        <p:nvSpPr>
-          <p:cNvPr id="3" name="Content Placeholder 2"/>
-          <p:cNvSpPr>
-            <a:spLocks noGrp="1"/>
-          </p:cNvSpPr>
-          <p:nvPr>
-            <p:ph idx="1"/>
-          </p:nvPr>
-        </p:nvSpPr>
-        <p:spPr>
-          <a:xfrm>
-            <a:off x="677333" y="2160589"/>
-            <a:ext cx="9804399" cy="3880773"/>
-          </a:xfrm>
-        </p:spPr>
-        <p:txBody>
-          <a:bodyPr/>
-          <a:lstStyle/>
-          <a:p>
-            <a:pPr marL="0" indent="0">
-              <a:buNone/>
-            </a:pPr>
-            <a:endParaRPr lang="en-US" dirty="0"/>
-          </a:p>
-          <a:p>
-            <a:pPr marL="0" indent="0">
-              <a:buNone/>
-            </a:pPr>
-            <a:r>
-              <a:rPr lang="en-US" dirty="0"/>
-              <a:t>$servers=1..1000 | </a:t>
-            </a:r>
-            <a:r>
-              <a:rPr lang="en-US" dirty="0" err="1"/>
-              <a:t>foreach</a:t>
-            </a:r>
-            <a:r>
-              <a:rPr lang="en-US" dirty="0"/>
-              <a:t> {“Server$_”}</a:t>
-            </a:r>
-          </a:p>
-          <a:p>
-            <a:pPr marL="0" indent="0">
-              <a:buNone/>
-            </a:pPr>
-            <a:r>
-              <a:rPr lang="en-US" dirty="0"/>
-              <a:t>$</a:t>
-            </a:r>
-            <a:r>
-              <a:rPr lang="en-US" dirty="0" err="1"/>
-              <a:t>server_os</a:t>
-            </a:r>
-            <a:r>
-              <a:rPr lang="en-US" dirty="0"/>
-              <a:t>=get-</a:t>
-            </a:r>
-            <a:r>
-              <a:rPr lang="en-US" dirty="0" err="1"/>
-              <a:t>ciminstance</a:t>
-            </a:r>
-            <a:r>
-              <a:rPr lang="en-US" dirty="0"/>
-              <a:t> –</a:t>
-            </a:r>
-            <a:r>
-              <a:rPr lang="en-US" dirty="0" err="1"/>
-              <a:t>classname</a:t>
-            </a:r>
-            <a:r>
-              <a:rPr lang="en-US" dirty="0"/>
-              <a:t> Win32_OperatingSystem -</a:t>
-            </a:r>
-            <a:r>
-              <a:rPr lang="en-US" dirty="0" err="1"/>
-              <a:t>ComputerName</a:t>
-            </a:r>
-            <a:r>
-              <a:rPr lang="en-US" dirty="0"/>
-              <a:t> $servers</a:t>
-            </a:r>
-          </a:p>
-          <a:p>
-            <a:pPr marL="0" indent="0">
-              <a:buNone/>
-            </a:pPr>
-            <a:endParaRPr lang="en-US" dirty="0"/>
-          </a:p>
-          <a:p>
-            <a:pPr marL="0" indent="0">
-              <a:buNone/>
-            </a:pPr>
-            <a:r>
-              <a:rPr lang="en-US" dirty="0"/>
-              <a:t>This will not always be successful because of non-responsive servers.  We will get all of the </a:t>
-            </a:r>
-          </a:p>
-          <a:p>
-            <a:pPr marL="0" indent="0">
-              <a:buNone/>
-            </a:pPr>
-            <a:r>
-              <a:rPr lang="en-US" dirty="0"/>
-              <a:t>responding servers’ information in the variable, but the non-responsive servers will show</a:t>
-            </a:r>
-          </a:p>
-          <a:p>
-            <a:pPr marL="0" indent="0">
-              <a:buNone/>
-            </a:pPr>
-            <a:r>
-              <a:rPr lang="en-US" dirty="0"/>
-              <a:t>up as errors at the console.</a:t>
-            </a:r>
-          </a:p>
-        </p:txBody>
-      </p:sp>
-    </p:spTree>
-    <p:extLst>
-      <p:ext uri="{BB962C8B-B14F-4D97-AF65-F5344CB8AC3E}">
-        <p14:creationId xmlns:p14="http://schemas.microsoft.com/office/powerpoint/2010/main" val="3026533200"/>
-      </p:ext>
-    </p:extLst>
-  </p:cSld>
-  <p:clrMapOvr>
-    <a:masterClrMapping/>
-  </p:clrMapOvr>
-</p:sld>
-</file>
-
 <file path=ppt/slides/slide14.xml><?xml version="1.0" encoding="utf-8"?>
 <p:sld xmlns:a="http://schemas.openxmlformats.org/drawingml/2006/main" xmlns:r="http://schemas.openxmlformats.org/officeDocument/2006/relationships" xmlns:p="http://schemas.openxmlformats.org/presentationml/2006/main">
   <p:cSld>
@@ -6733,7 +6700,7 @@
           <a:p>
             <a:r>
               <a:rPr lang="en-US" dirty="0"/>
-              <a:t>Dealing with 1000 servers (take 2)</a:t>
+              <a:t>Dealing with 1000 servers (take 1)</a:t>
             </a:r>
           </a:p>
         </p:txBody>
@@ -6750,29 +6717,33 @@
         </p:nvSpPr>
         <p:spPr>
           <a:xfrm>
-            <a:off x="220133" y="2160589"/>
-            <a:ext cx="10414000" cy="3880773"/>
+            <a:off x="677333" y="2160589"/>
+            <a:ext cx="9804399" cy="3880773"/>
           </a:xfrm>
         </p:spPr>
         <p:txBody>
-          <a:bodyPr>
-            <a:normAutofit/>
-          </a:bodyPr>
+          <a:bodyPr/>
           <a:lstStyle/>
           <a:p>
             <a:pPr marL="0" indent="0">
               <a:buNone/>
             </a:pPr>
-            <a:r>
-              <a:rPr lang="en-US" sz="1600" dirty="0"/>
+            <a:endParaRPr lang="en-US" dirty="0"/>
+          </a:p>
+          <a:p>
+            <a:pPr marL="0" indent="0">
+              <a:buNone/>
+            </a:pPr>
+            <a:r>
+              <a:rPr lang="en-US" dirty="0"/>
               <a:t>$servers=1..1000 | </a:t>
             </a:r>
             <a:r>
-              <a:rPr lang="en-US" sz="1600" dirty="0" err="1"/>
+              <a:rPr lang="en-US" dirty="0" err="1"/>
               <a:t>foreach</a:t>
             </a:r>
             <a:r>
-              <a:rPr lang="en-US" sz="1600" dirty="0"/>
+              <a:rPr lang="en-US" dirty="0"/>
               <a:t> {“Server$_”}</a:t>
             </a:r>
           </a:p>
@@ -6781,58 +6752,55 @@
               <a:buNone/>
             </a:pPr>
             <a:r>
-              <a:rPr lang="en-US" sz="1600" dirty="0"/>
-              <a:t>Try{</a:t>
+              <a:rPr lang="en-US" dirty="0"/>
+              <a:t>$</a:t>
+            </a:r>
+            <a:r>
+              <a:rPr lang="en-US" dirty="0" err="1"/>
+              <a:t>server_os</a:t>
+            </a:r>
+            <a:r>
+              <a:rPr lang="en-US" dirty="0"/>
+              <a:t>=get-</a:t>
+            </a:r>
+            <a:r>
+              <a:rPr lang="en-US" dirty="0" err="1"/>
+              <a:t>ciminstance</a:t>
+            </a:r>
+            <a:r>
+              <a:rPr lang="en-US" dirty="0"/>
+              <a:t> –</a:t>
+            </a:r>
+            <a:r>
+              <a:rPr lang="en-US" dirty="0" err="1"/>
+              <a:t>classname</a:t>
+            </a:r>
+            <a:r>
+              <a:rPr lang="en-US" dirty="0"/>
+              <a:t> Win32_OperatingSystem -</a:t>
+            </a:r>
+            <a:r>
+              <a:rPr lang="en-US" dirty="0" err="1"/>
+              <a:t>ComputerName</a:t>
+            </a:r>
+            <a:r>
+              <a:rPr lang="en-US" dirty="0"/>
+              <a:t> $servers</a:t>
             </a:r>
           </a:p>
           <a:p>
             <a:pPr marL="0" indent="0">
               <a:buNone/>
             </a:pPr>
-            <a:r>
-              <a:rPr lang="en-US" sz="1600" dirty="0"/>
-              <a:t>$</a:t>
-            </a:r>
-            <a:r>
-              <a:rPr lang="en-US" sz="1600" dirty="0" err="1"/>
-              <a:t>server_os</a:t>
-            </a:r>
-            <a:r>
-              <a:rPr lang="en-US" sz="1600" dirty="0"/>
-              <a:t>=get-</a:t>
-            </a:r>
-            <a:r>
-              <a:rPr lang="en-US" sz="1600" dirty="0" err="1"/>
-              <a:t>ciminstance</a:t>
-            </a:r>
-            <a:r>
-              <a:rPr lang="en-US" sz="1600" dirty="0"/>
-              <a:t> –</a:t>
-            </a:r>
-            <a:r>
-              <a:rPr lang="en-US" sz="1600" dirty="0" err="1"/>
-              <a:t>classname</a:t>
-            </a:r>
-            <a:r>
-              <a:rPr lang="en-US" sz="1600" dirty="0"/>
-              <a:t> Win32_OperatingSystem -</a:t>
-            </a:r>
-            <a:r>
-              <a:rPr lang="en-US" sz="1600" dirty="0" err="1"/>
-              <a:t>ComputerName</a:t>
-            </a:r>
-            <a:r>
-              <a:rPr lang="en-US" sz="1600" dirty="0"/>
-              <a:t> $servers –EA Stop</a:t>
-            </a:r>
+            <a:endParaRPr lang="en-US" dirty="0"/>
           </a:p>
           <a:p>
             <a:pPr marL="0" indent="0">
               <a:buNone/>
             </a:pPr>
             <a:r>
-              <a:rPr lang="en-US" sz="1600" dirty="0"/>
-              <a:t>} </a:t>
+              <a:rPr lang="en-US" dirty="0"/>
+              <a:t>This will not always be successful because of non-responsive servers.  We will get all of the </a:t>
             </a:r>
           </a:p>
           <a:p>
@@ -6840,8 +6808,8 @@
               <a:buNone/>
             </a:pPr>
             <a:r>
-              <a:rPr lang="en-US" sz="1600" dirty="0"/>
-              <a:t>Catch { </a:t>
+              <a:rPr lang="en-US" dirty="0"/>
+              <a:t>responding servers’ information in the variable, but the non-responsive servers will show</a:t>
             </a:r>
           </a:p>
           <a:p>
@@ -6849,49 +6817,16 @@
               <a:buNone/>
             </a:pPr>
             <a:r>
-              <a:rPr lang="en-US" sz="1600" dirty="0"/>
-              <a:t>  write-output “Something went wrong”</a:t>
-            </a:r>
-          </a:p>
-          <a:p>
-            <a:pPr marL="0" indent="0">
-              <a:buNone/>
-            </a:pPr>
-            <a:r>
-              <a:rPr lang="en-US" sz="1600" dirty="0"/>
-              <a:t>}</a:t>
-            </a:r>
-          </a:p>
-          <a:p>
-            <a:pPr marL="0" indent="0">
-              <a:buNone/>
-            </a:pPr>
-            <a:r>
-              <a:rPr lang="en-US" sz="1600" dirty="0"/>
-              <a:t>This will probably not be successful again due to non-responsive servers, but if there are any of those</a:t>
-            </a:r>
-          </a:p>
-          <a:p>
-            <a:pPr marL="0" indent="0">
-              <a:buNone/>
-            </a:pPr>
-            <a:r>
-              <a:rPr lang="en-US" sz="1600" dirty="0"/>
-              <a:t>we won’t get any output at all in the variable because exceptions terminate the statement.</a:t>
-            </a:r>
-          </a:p>
-          <a:p>
-            <a:pPr marL="0" indent="0">
-              <a:buNone/>
-            </a:pPr>
-            <a:endParaRPr lang="en-US" sz="1600" dirty="0"/>
+              <a:rPr lang="en-US" dirty="0"/>
+              <a:t>up as errors at the console.</a:t>
+            </a:r>
           </a:p>
         </p:txBody>
       </p:sp>
     </p:spTree>
     <p:extLst>
       <p:ext uri="{BB962C8B-B14F-4D97-AF65-F5344CB8AC3E}">
-        <p14:creationId xmlns:p14="http://schemas.microsoft.com/office/powerpoint/2010/main" val="3968281306"/>
+        <p14:creationId xmlns:p14="http://schemas.microsoft.com/office/powerpoint/2010/main" val="3026533200"/>
       </p:ext>
     </p:extLst>
   </p:cSld>
@@ -6935,7 +6870,7 @@
           <a:p>
             <a:r>
               <a:rPr lang="en-US" dirty="0"/>
-              <a:t>Dealing with 1000 servers (take 3)</a:t>
+              <a:t>Dealing with 1000 servers (take 2)</a:t>
             </a:r>
           </a:p>
         </p:txBody>
@@ -6952,27 +6887,29 @@
         </p:nvSpPr>
         <p:spPr>
           <a:xfrm>
-            <a:off x="287866" y="1930400"/>
-            <a:ext cx="10837333" cy="4521200"/>
+            <a:off x="220133" y="2160589"/>
+            <a:ext cx="10414000" cy="3880773"/>
           </a:xfrm>
         </p:spPr>
         <p:txBody>
-          <a:bodyPr/>
+          <a:bodyPr>
+            <a:normAutofit/>
+          </a:bodyPr>
           <a:lstStyle/>
           <a:p>
             <a:pPr marL="0" indent="0">
               <a:buNone/>
             </a:pPr>
             <a:r>
-              <a:rPr lang="en-US" dirty="0"/>
+              <a:rPr lang="en-US" sz="1600" dirty="0"/>
               <a:t>$servers=1..1000 | </a:t>
             </a:r>
             <a:r>
-              <a:rPr lang="en-US" dirty="0" err="1"/>
+              <a:rPr lang="en-US" sz="1600" dirty="0" err="1"/>
               <a:t>foreach</a:t>
             </a:r>
             <a:r>
-              <a:rPr lang="en-US" dirty="0"/>
+              <a:rPr lang="en-US" sz="1600" dirty="0"/>
               <a:t> {“Server$_”}</a:t>
             </a:r>
           </a:p>
@@ -6981,16 +6918,49 @@
               <a:buNone/>
             </a:pPr>
             <a:r>
-              <a:rPr lang="en-US" dirty="0"/>
+              <a:rPr lang="en-US" sz="1600" dirty="0"/>
+              <a:t>Try{</a:t>
+            </a:r>
+          </a:p>
+          <a:p>
+            <a:pPr marL="0" indent="0">
+              <a:buNone/>
+            </a:pPr>
+            <a:r>
+              <a:rPr lang="en-US" sz="1600" dirty="0"/>
               <a:t>$</a:t>
             </a:r>
             <a:r>
-              <a:rPr lang="en-US" dirty="0" err="1"/>
+              <a:rPr lang="en-US" sz="1600" dirty="0" err="1"/>
               <a:t>server_os</a:t>
             </a:r>
             <a:r>
-              <a:rPr lang="en-US" dirty="0"/>
-              <a:t>=@()</a:t>
+              <a:rPr lang="en-US" sz="1600" dirty="0"/>
+              <a:t>=get-</a:t>
+            </a:r>
+            <a:r>
+              <a:rPr lang="en-US" sz="1600" dirty="0" err="1"/>
+              <a:t>ciminstance</a:t>
+            </a:r>
+            <a:r>
+              <a:rPr lang="en-US" sz="1600" dirty="0"/>
+              <a:t> –</a:t>
+            </a:r>
+            <a:r>
+              <a:rPr lang="en-US" sz="1600" dirty="0" err="1"/>
+              <a:t>classname</a:t>
+            </a:r>
+            <a:r>
+              <a:rPr lang="en-US" sz="1600" dirty="0"/>
+              <a:t> Win32_OperatingSystem -</a:t>
+            </a:r>
+            <a:r>
+              <a:rPr lang="en-US" sz="1600" dirty="0" err="1"/>
+              <a:t>ComputerName</a:t>
+            </a:r>
+            <a:r>
+              <a:rPr lang="en-US" sz="1600" dirty="0"/>
+              <a:t> $servers –EA Stop</a:t>
             </a:r>
           </a:p>
           <a:p>
@@ -6998,12 +6968,8 @@
               <a:buNone/>
             </a:pPr>
             <a:r>
-              <a:rPr lang="en-US" dirty="0" err="1"/>
-              <a:t>Foreach</a:t>
-            </a:r>
-            <a:r>
-              <a:rPr lang="en-US" dirty="0"/>
-              <a:t>($server in $servers){</a:t>
+              <a:rPr lang="en-US" sz="1600" dirty="0"/>
+              <a:t>} </a:t>
             </a:r>
           </a:p>
           <a:p>
@@ -7011,8 +6977,8 @@
               <a:buNone/>
             </a:pPr>
             <a:r>
-              <a:rPr lang="en-US" dirty="0"/>
-              <a:t>Try{</a:t>
+              <a:rPr lang="en-US" sz="1600" dirty="0"/>
+              <a:t>Catch { </a:t>
             </a:r>
           </a:p>
           <a:p>
@@ -7020,40 +6986,8 @@
               <a:buNone/>
             </a:pPr>
             <a:r>
-              <a:rPr lang="en-US" dirty="0"/>
-              <a:t>$</a:t>
-            </a:r>
-            <a:r>
-              <a:rPr lang="en-US" dirty="0" err="1"/>
-              <a:t>server_os</a:t>
-            </a:r>
-            <a:r>
-              <a:rPr lang="en-US" dirty="0"/>
-              <a:t>+=get-</a:t>
-            </a:r>
-            <a:r>
-              <a:rPr lang="en-US" dirty="0" err="1"/>
-              <a:t>ciminstance</a:t>
-            </a:r>
-            <a:r>
-              <a:rPr lang="en-US" dirty="0"/>
-              <a:t> –</a:t>
-            </a:r>
-            <a:r>
-              <a:rPr lang="en-US" dirty="0" err="1"/>
-              <a:t>classname</a:t>
-            </a:r>
-            <a:r>
-              <a:rPr lang="en-US" dirty="0"/>
-              <a:t> Win32_OperatingSystem -</a:t>
-            </a:r>
-            <a:r>
-              <a:rPr lang="en-US" dirty="0" err="1"/>
-              <a:t>ComputerName</a:t>
-            </a:r>
-            <a:r>
-              <a:rPr lang="en-US" dirty="0"/>
-              <a:t> $server –EA Stop</a:t>
+              <a:rPr lang="en-US" sz="1600" dirty="0"/>
+              <a:t>  write-output “Something went wrong”</a:t>
             </a:r>
           </a:p>
           <a:p>
@@ -7061,8 +6995,8 @@
               <a:buNone/>
             </a:pPr>
             <a:r>
-              <a:rPr lang="en-US" dirty="0"/>
-              <a:t>} </a:t>
+              <a:rPr lang="en-US" sz="1600" dirty="0"/>
+              <a:t>}</a:t>
             </a:r>
           </a:p>
           <a:p>
@@ -7070,8 +7004,8 @@
               <a:buNone/>
             </a:pPr>
             <a:r>
-              <a:rPr lang="en-US" dirty="0"/>
-              <a:t>Catch { </a:t>
+              <a:rPr lang="en-US" sz="1600" dirty="0"/>
+              <a:t>This will probably not be successful again due to non-responsive servers, but if there are any of those</a:t>
             </a:r>
           </a:p>
           <a:p>
@@ -7079,40 +7013,22 @@
               <a:buNone/>
             </a:pPr>
             <a:r>
-              <a:rPr lang="en-US" dirty="0"/>
-              <a:t>  write-output “Something went wrong with $server”</a:t>
+              <a:rPr lang="en-US" sz="1600" dirty="0"/>
+              <a:t>we won’t get any output at all in the variable because exceptions terminate the statement.</a:t>
             </a:r>
           </a:p>
           <a:p>
             <a:pPr marL="0" indent="0">
               <a:buNone/>
             </a:pPr>
-            <a:r>
-              <a:rPr lang="en-US" dirty="0"/>
-              <a:t>}</a:t>
-            </a:r>
-          </a:p>
-          <a:p>
-            <a:pPr marL="0" indent="0">
-              <a:buNone/>
-            </a:pPr>
-            <a:endParaRPr lang="en-US" dirty="0"/>
-          </a:p>
-          <a:p>
-            <a:pPr marL="0" indent="0">
-              <a:buNone/>
-            </a:pPr>
-            <a:r>
-              <a:rPr lang="en-US" dirty="0"/>
-              <a:t>This is a pretty common pattern that will work, but there’s a problem…</a:t>
-            </a:r>
+            <a:endParaRPr lang="en-US" sz="1600" dirty="0"/>
           </a:p>
         </p:txBody>
       </p:sp>
     </p:spTree>
     <p:extLst>
       <p:ext uri="{BB962C8B-B14F-4D97-AF65-F5344CB8AC3E}">
-        <p14:creationId xmlns:p14="http://schemas.microsoft.com/office/powerpoint/2010/main" val="3882604512"/>
+        <p14:creationId xmlns:p14="http://schemas.microsoft.com/office/powerpoint/2010/main" val="3968281306"/>
       </p:ext>
     </p:extLst>
   </p:cSld>
@@ -7156,7 +7072,7 @@
           <a:p>
             <a:r>
               <a:rPr lang="en-US" dirty="0"/>
-              <a:t>Dealing with 1000 servers (take 4)</a:t>
+              <a:t>Dealing with 1000 servers (take 3)</a:t>
             </a:r>
           </a:p>
         </p:txBody>
@@ -7173,14 +7089,12 @@
         </p:nvSpPr>
         <p:spPr>
           <a:xfrm>
-            <a:off x="677333" y="2160589"/>
-            <a:ext cx="9872133" cy="3880773"/>
+            <a:off x="287866" y="1930400"/>
+            <a:ext cx="10837333" cy="4521200"/>
           </a:xfrm>
         </p:spPr>
         <p:txBody>
-          <a:bodyPr>
-            <a:normAutofit fontScale="92500" lnSpcReduction="10000"/>
-          </a:bodyPr>
+          <a:bodyPr/>
           <a:lstStyle/>
           <a:p>
             <a:pPr marL="0" indent="0">
@@ -7213,7 +7127,46 @@
             </a:r>
             <a:r>
               <a:rPr lang="en-US" dirty="0"/>
-              <a:t>=get-</a:t>
+              <a:t>=@()</a:t>
+            </a:r>
+          </a:p>
+          <a:p>
+            <a:pPr marL="0" indent="0">
+              <a:buNone/>
+            </a:pPr>
+            <a:r>
+              <a:rPr lang="en-US" dirty="0" err="1"/>
+              <a:t>Foreach</a:t>
+            </a:r>
+            <a:r>
+              <a:rPr lang="en-US" dirty="0"/>
+              <a:t>($server in $servers){</a:t>
+            </a:r>
+          </a:p>
+          <a:p>
+            <a:pPr marL="0" indent="0">
+              <a:buNone/>
+            </a:pPr>
+            <a:r>
+              <a:rPr lang="en-US" dirty="0"/>
+              <a:t>Try{</a:t>
+            </a:r>
+          </a:p>
+          <a:p>
+            <a:pPr marL="0" indent="0">
+              <a:buNone/>
+            </a:pPr>
+            <a:r>
+              <a:rPr lang="en-US" dirty="0"/>
+              <a:t>$</a:t>
+            </a:r>
+            <a:r>
+              <a:rPr lang="en-US" dirty="0" err="1"/>
+              <a:t>server_os</a:t>
+            </a:r>
+            <a:r>
+              <a:rPr lang="en-US" dirty="0"/>
+              <a:t>+=get-</a:t>
             </a:r>
             <a:r>
               <a:rPr lang="en-US" dirty="0" err="1"/>
@@ -7237,7 +7190,7 @@
             </a:r>
             <a:r>
               <a:rPr lang="en-US" dirty="0"/>
-              <a:t> $servers `</a:t>
+              <a:t> $server –EA Stop</a:t>
             </a:r>
           </a:p>
           <a:p>
@@ -7246,36 +7199,40 @@
             </a:pPr>
             <a:r>
               <a:rPr lang="en-US" dirty="0"/>
-              <a:t>                            </a:t>
-            </a:r>
-            <a:r>
-              <a:rPr lang="en-US" b="1" dirty="0"/>
-              <a:t>–</a:t>
-            </a:r>
-            <a:r>
-              <a:rPr lang="en-US" b="1" dirty="0" err="1"/>
-              <a:t>ErrorVariable</a:t>
-            </a:r>
-            <a:r>
-              <a:rPr lang="en-US" b="1" dirty="0"/>
-              <a:t> Problems </a:t>
-            </a:r>
-            <a:r>
-              <a:rPr lang="en-US" dirty="0"/>
-              <a:t>–</a:t>
-            </a:r>
-            <a:r>
-              <a:rPr lang="en-US" dirty="0" err="1"/>
-              <a:t>ErrorAction</a:t>
-            </a:r>
-            <a:r>
-              <a:rPr lang="en-US" dirty="0"/>
-              <a:t> </a:t>
-            </a:r>
-            <a:r>
-              <a:rPr lang="en-US" dirty="0" err="1"/>
-              <a:t>SilentlyContinue</a:t>
-            </a:r>
+              <a:t>} </a:t>
+            </a:r>
+          </a:p>
+          <a:p>
+            <a:pPr marL="0" indent="0">
+              <a:buNone/>
+            </a:pPr>
+            <a:r>
+              <a:rPr lang="en-US" dirty="0"/>
+              <a:t>Catch { </a:t>
+            </a:r>
+          </a:p>
+          <a:p>
+            <a:pPr marL="0" indent="0">
+              <a:buNone/>
+            </a:pPr>
+            <a:r>
+              <a:rPr lang="en-US" dirty="0"/>
+              <a:t>  write-output “Something went wrong with $server”</a:t>
+            </a:r>
+          </a:p>
+          <a:p>
+            <a:pPr marL="0" indent="0">
+              <a:buNone/>
+            </a:pPr>
+            <a:r>
+              <a:rPr lang="en-US" dirty="0"/>
+              <a:t>}</a:t>
+            </a:r>
+          </a:p>
+          <a:p>
+            <a:pPr marL="0" indent="0">
+              <a:buNone/>
+            </a:pPr>
             <a:endParaRPr lang="en-US" dirty="0"/>
           </a:p>
           <a:p>
@@ -7283,88 +7240,8 @@
               <a:buNone/>
             </a:pPr>
             <a:r>
-              <a:rPr lang="en-US" dirty="0" err="1"/>
-              <a:t>Foreach</a:t>
-            </a:r>
-            <a:r>
-              <a:rPr lang="en-US" dirty="0"/>
-              <a:t>($problem in $problems){</a:t>
-            </a:r>
-          </a:p>
-          <a:p>
-            <a:pPr marL="0" indent="0">
-              <a:buNone/>
-            </a:pPr>
-            <a:r>
-              <a:rPr lang="en-US" dirty="0"/>
-              <a:t>    write-output “We had a problem with $($</a:t>
-            </a:r>
-            <a:r>
-              <a:rPr lang="en-US" dirty="0" err="1"/>
-              <a:t>problem.</a:t>
-            </a:r>
-            <a:r>
-              <a:rPr lang="en-US" b="1" dirty="0" err="1"/>
-              <a:t>OriginInfo</a:t>
-            </a:r>
-            <a:r>
-              <a:rPr lang="en-US" dirty="0"/>
-              <a:t>)”</a:t>
-            </a:r>
-          </a:p>
-          <a:p>
-            <a:pPr marL="0" indent="0">
-              <a:buNone/>
-            </a:pPr>
-            <a:r>
-              <a:rPr lang="en-US" dirty="0"/>
-              <a:t>}</a:t>
-            </a:r>
-          </a:p>
-          <a:p>
-            <a:endParaRPr lang="en-US" dirty="0"/>
-          </a:p>
-          <a:p>
-            <a:pPr marL="0" indent="0">
-              <a:buNone/>
-            </a:pPr>
-            <a:r>
-              <a:rPr lang="en-US" dirty="0"/>
-              <a:t>Here, we get to execute one command which will hit all of the boxes “simultaneously”, </a:t>
-            </a:r>
-          </a:p>
-          <a:p>
-            <a:pPr marL="0" indent="0">
-              <a:buNone/>
-            </a:pPr>
-            <a:r>
-              <a:rPr lang="en-US" dirty="0"/>
-              <a:t>and we get to know what boxes had problems.  The best of both worlds!</a:t>
-            </a:r>
-          </a:p>
-          <a:p>
-            <a:pPr marL="0" indent="0">
-              <a:buNone/>
-            </a:pPr>
-            <a:r>
-              <a:rPr lang="en-US" dirty="0"/>
-              <a:t>Note:  It won’t always be </a:t>
-            </a:r>
-            <a:r>
-              <a:rPr lang="en-US" dirty="0" err="1"/>
-              <a:t>OriginInfo</a:t>
-            </a:r>
-            <a:r>
-              <a:rPr lang="en-US" dirty="0"/>
-              <a:t>…sometimes it’s </a:t>
-            </a:r>
-            <a:r>
-              <a:rPr lang="en-US" dirty="0" err="1"/>
-              <a:t>TargetObject</a:t>
-            </a:r>
-            <a:r>
-              <a:rPr lang="en-US" dirty="0"/>
-              <a:t>.  Documentation/practice isn’t very clear on one or the other.</a:t>
+              <a:rPr lang="en-US" dirty="0"/>
+              <a:t>This is a pretty common pattern that will work, but there’s a problem…</a:t>
             </a:r>
           </a:p>
         </p:txBody>
@@ -7372,7 +7249,7 @@
     </p:spTree>
     <p:extLst>
       <p:ext uri="{BB962C8B-B14F-4D97-AF65-F5344CB8AC3E}">
-        <p14:creationId xmlns:p14="http://schemas.microsoft.com/office/powerpoint/2010/main" val="1941699834"/>
+        <p14:creationId xmlns:p14="http://schemas.microsoft.com/office/powerpoint/2010/main" val="3882604512"/>
       </p:ext>
     </p:extLst>
   </p:cSld>
@@ -7416,6 +7293,266 @@
           <a:p>
             <a:r>
               <a:rPr lang="en-US" dirty="0"/>
+              <a:t>Dealing with 1000 servers (take 4)</a:t>
+            </a:r>
+          </a:p>
+        </p:txBody>
+      </p:sp>
+      <p:sp>
+        <p:nvSpPr>
+          <p:cNvPr id="3" name="Content Placeholder 2"/>
+          <p:cNvSpPr>
+            <a:spLocks noGrp="1"/>
+          </p:cNvSpPr>
+          <p:nvPr>
+            <p:ph idx="1"/>
+          </p:nvPr>
+        </p:nvSpPr>
+        <p:spPr>
+          <a:xfrm>
+            <a:off x="677333" y="2160589"/>
+            <a:ext cx="9872133" cy="3880773"/>
+          </a:xfrm>
+        </p:spPr>
+        <p:txBody>
+          <a:bodyPr>
+            <a:normAutofit fontScale="92500" lnSpcReduction="10000"/>
+          </a:bodyPr>
+          <a:lstStyle/>
+          <a:p>
+            <a:pPr marL="0" indent="0">
+              <a:buNone/>
+            </a:pPr>
+            <a:r>
+              <a:rPr lang="en-US" dirty="0"/>
+              <a:t>$servers=1..1000 | </a:t>
+            </a:r>
+            <a:r>
+              <a:rPr lang="en-US" dirty="0" err="1"/>
+              <a:t>foreach</a:t>
+            </a:r>
+            <a:r>
+              <a:rPr lang="en-US" dirty="0"/>
+              <a:t> {“Server$_”}</a:t>
+            </a:r>
+          </a:p>
+          <a:p>
+            <a:pPr marL="0" indent="0">
+              <a:buNone/>
+            </a:pPr>
+            <a:r>
+              <a:rPr lang="en-US" dirty="0"/>
+              <a:t>$</a:t>
+            </a:r>
+            <a:r>
+              <a:rPr lang="en-US" dirty="0" err="1"/>
+              <a:t>server_os</a:t>
+            </a:r>
+            <a:r>
+              <a:rPr lang="en-US" dirty="0"/>
+              <a:t>=get-</a:t>
+            </a:r>
+            <a:r>
+              <a:rPr lang="en-US" dirty="0" err="1"/>
+              <a:t>ciminstance</a:t>
+            </a:r>
+            <a:r>
+              <a:rPr lang="en-US" dirty="0"/>
+              <a:t> –</a:t>
+            </a:r>
+            <a:r>
+              <a:rPr lang="en-US" dirty="0" err="1"/>
+              <a:t>classname</a:t>
+            </a:r>
+            <a:r>
+              <a:rPr lang="en-US" dirty="0"/>
+              <a:t> Win32_OperatingSystem -</a:t>
+            </a:r>
+            <a:r>
+              <a:rPr lang="en-US" dirty="0" err="1"/>
+              <a:t>ComputerName</a:t>
+            </a:r>
+            <a:r>
+              <a:rPr lang="en-US" dirty="0"/>
+              <a:t> $servers `</a:t>
+            </a:r>
+          </a:p>
+          <a:p>
+            <a:pPr marL="0" indent="0">
+              <a:buNone/>
+            </a:pPr>
+            <a:r>
+              <a:rPr lang="en-US" dirty="0"/>
+              <a:t>                            </a:t>
+            </a:r>
+            <a:r>
+              <a:rPr lang="en-US" b="1" dirty="0"/>
+              <a:t>–</a:t>
+            </a:r>
+            <a:r>
+              <a:rPr lang="en-US" b="1" dirty="0" err="1"/>
+              <a:t>ErrorVariable</a:t>
+            </a:r>
+            <a:r>
+              <a:rPr lang="en-US" b="1" dirty="0"/>
+              <a:t> Problems </a:t>
+            </a:r>
+            <a:r>
+              <a:rPr lang="en-US" dirty="0"/>
+              <a:t>–</a:t>
+            </a:r>
+            <a:r>
+              <a:rPr lang="en-US" dirty="0" err="1"/>
+              <a:t>ErrorAction</a:t>
+            </a:r>
+            <a:r>
+              <a:rPr lang="en-US" dirty="0"/>
+              <a:t> </a:t>
+            </a:r>
+            <a:r>
+              <a:rPr lang="en-US" dirty="0" err="1"/>
+              <a:t>SilentlyContinue</a:t>
+            </a:r>
+            <a:endParaRPr lang="en-US" dirty="0"/>
+          </a:p>
+          <a:p>
+            <a:pPr marL="0" indent="0">
+              <a:buNone/>
+            </a:pPr>
+            <a:r>
+              <a:rPr lang="en-US" dirty="0" err="1"/>
+              <a:t>Foreach</a:t>
+            </a:r>
+            <a:r>
+              <a:rPr lang="en-US" dirty="0"/>
+              <a:t>($problem in $problems){</a:t>
+            </a:r>
+          </a:p>
+          <a:p>
+            <a:pPr marL="0" indent="0">
+              <a:buNone/>
+            </a:pPr>
+            <a:r>
+              <a:rPr lang="en-US" dirty="0"/>
+              <a:t>    write-output “We had a problem with $($</a:t>
+            </a:r>
+            <a:r>
+              <a:rPr lang="en-US" dirty="0" err="1"/>
+              <a:t>problem.</a:t>
+            </a:r>
+            <a:r>
+              <a:rPr lang="en-US" b="1" dirty="0" err="1"/>
+              <a:t>OriginInfo</a:t>
+            </a:r>
+            <a:r>
+              <a:rPr lang="en-US" dirty="0"/>
+              <a:t>)”</a:t>
+            </a:r>
+          </a:p>
+          <a:p>
+            <a:pPr marL="0" indent="0">
+              <a:buNone/>
+            </a:pPr>
+            <a:r>
+              <a:rPr lang="en-US" dirty="0"/>
+              <a:t>}</a:t>
+            </a:r>
+          </a:p>
+          <a:p>
+            <a:endParaRPr lang="en-US" dirty="0"/>
+          </a:p>
+          <a:p>
+            <a:pPr marL="0" indent="0">
+              <a:buNone/>
+            </a:pPr>
+            <a:r>
+              <a:rPr lang="en-US" dirty="0"/>
+              <a:t>Here, we get to execute one command which will hit all of the boxes “simultaneously”, </a:t>
+            </a:r>
+          </a:p>
+          <a:p>
+            <a:pPr marL="0" indent="0">
+              <a:buNone/>
+            </a:pPr>
+            <a:r>
+              <a:rPr lang="en-US" dirty="0"/>
+              <a:t>and we get to know what boxes had problems.  The best of both worlds!</a:t>
+            </a:r>
+          </a:p>
+          <a:p>
+            <a:pPr marL="0" indent="0">
+              <a:buNone/>
+            </a:pPr>
+            <a:r>
+              <a:rPr lang="en-US" dirty="0"/>
+              <a:t>Note:  It won’t always be </a:t>
+            </a:r>
+            <a:r>
+              <a:rPr lang="en-US" dirty="0" err="1"/>
+              <a:t>OriginInfo</a:t>
+            </a:r>
+            <a:r>
+              <a:rPr lang="en-US" dirty="0"/>
+              <a:t>…sometimes it’s </a:t>
+            </a:r>
+            <a:r>
+              <a:rPr lang="en-US" dirty="0" err="1"/>
+              <a:t>TargetObject</a:t>
+            </a:r>
+            <a:r>
+              <a:rPr lang="en-US" dirty="0"/>
+              <a:t>.  Documentation/practice isn’t very clear on one or the other.</a:t>
+            </a:r>
+          </a:p>
+        </p:txBody>
+      </p:sp>
+    </p:spTree>
+    <p:extLst>
+      <p:ext uri="{BB962C8B-B14F-4D97-AF65-F5344CB8AC3E}">
+        <p14:creationId xmlns:p14="http://schemas.microsoft.com/office/powerpoint/2010/main" val="1941699834"/>
+      </p:ext>
+    </p:extLst>
+  </p:cSld>
+  <p:clrMapOvr>
+    <a:masterClrMapping/>
+  </p:clrMapOvr>
+</p:sld>
+</file>
+
+<file path=ppt/slides/slide18.xml><?xml version="1.0" encoding="utf-8"?>
+<p:sld xmlns:a="http://schemas.openxmlformats.org/drawingml/2006/main" xmlns:r="http://schemas.openxmlformats.org/officeDocument/2006/relationships" xmlns:p="http://schemas.openxmlformats.org/presentationml/2006/main">
+  <p:cSld>
+    <p:spTree>
+      <p:nvGrpSpPr>
+        <p:cNvPr id="1" name=""/>
+        <p:cNvGrpSpPr/>
+        <p:nvPr/>
+      </p:nvGrpSpPr>
+      <p:grpSpPr>
+        <a:xfrm>
+          <a:off x="0" y="0"/>
+          <a:ext cx="0" cy="0"/>
+          <a:chOff x="0" y="0"/>
+          <a:chExt cx="0" cy="0"/>
+        </a:xfrm>
+      </p:grpSpPr>
+      <p:sp>
+        <p:nvSpPr>
+          <p:cNvPr id="2" name="Title 1"/>
+          <p:cNvSpPr>
+            <a:spLocks noGrp="1"/>
+          </p:cNvSpPr>
+          <p:nvPr>
+            <p:ph type="title"/>
+          </p:nvPr>
+        </p:nvSpPr>
+        <p:spPr/>
+        <p:txBody>
+          <a:bodyPr/>
+          <a:lstStyle/>
+          <a:p>
+            <a:r>
+              <a:rPr lang="en-US" dirty="0"/>
               <a:t>Errors in your code</a:t>
             </a:r>
           </a:p>
@@ -7515,7 +7652,7 @@
 </p:sld>
 </file>
 
-<file path=ppt/slides/slide18.xml><?xml version="1.0" encoding="utf-8"?>
+<file path=ppt/slides/slide19.xml><?xml version="1.0" encoding="utf-8"?>
 <p:sld xmlns:a="http://schemas.openxmlformats.org/drawingml/2006/main" xmlns:r="http://schemas.openxmlformats.org/officeDocument/2006/relationships" xmlns:p="http://schemas.openxmlformats.org/presentationml/2006/main">
   <p:cSld>
     <p:spTree>
@@ -8292,8 +8429,12 @@
               <a:buNone/>
             </a:pPr>
             <a:r>
-              <a:rPr lang="en-US" dirty="0"/>
-              <a:t>In the beginning of the Catch block, $_ is the exception that was thrown.</a:t>
+              <a:rPr lang="en-US" b="1" dirty="0"/>
+              <a:t>In the beginning of the Catch block</a:t>
+            </a:r>
+            <a:r>
+              <a:rPr lang="en-US" dirty="0"/>
+              <a:t>, $_ is the exception that was thrown.</a:t>
             </a:r>
           </a:p>
         </p:txBody>
@@ -8588,10 +8729,32 @@
             <p:ph type="title"/>
           </p:nvPr>
         </p:nvSpPr>
+        <p:spPr/>
+        <p:txBody>
+          <a:bodyPr/>
+          <a:lstStyle/>
+          <a:p>
+            <a:r>
+              <a:rPr lang="en-US" dirty="0"/>
+              <a:t>Motivational Slide</a:t>
+            </a:r>
+          </a:p>
+        </p:txBody>
+      </p:sp>
+      <p:sp>
+        <p:nvSpPr>
+          <p:cNvPr id="3" name="Content Placeholder 2"/>
+          <p:cNvSpPr>
+            <a:spLocks noGrp="1"/>
+          </p:cNvSpPr>
+          <p:nvPr>
+            <p:ph idx="1"/>
+          </p:nvPr>
+        </p:nvSpPr>
         <p:spPr>
           <a:xfrm>
-            <a:off x="677334" y="609600"/>
-            <a:ext cx="8596668" cy="774583"/>
+            <a:off x="677334" y="1739484"/>
+            <a:ext cx="8596668" cy="3880773"/>
           </a:xfrm>
         </p:spPr>
         <p:txBody>
@@ -8600,86 +8763,39 @@
           <a:p>
             <a:r>
               <a:rPr lang="en-US" dirty="0"/>
-              <a:t>PowerShell Array Parameters</a:t>
-            </a:r>
-          </a:p>
-        </p:txBody>
-      </p:sp>
-      <p:sp>
-        <p:nvSpPr>
-          <p:cNvPr id="3" name="Content Placeholder 2"/>
-          <p:cNvSpPr>
-            <a:spLocks noGrp="1"/>
-          </p:cNvSpPr>
-          <p:nvPr>
-            <p:ph idx="1"/>
-          </p:nvPr>
-        </p:nvSpPr>
-        <p:spPr>
-          <a:xfrm>
-            <a:off x="677334" y="1535185"/>
-            <a:ext cx="8596668" cy="4506177"/>
-          </a:xfrm>
-        </p:spPr>
-        <p:txBody>
-          <a:bodyPr/>
-          <a:lstStyle/>
-          <a:p>
-            <a:r>
-              <a:rPr lang="en-US" dirty="0"/>
-              <a:t>Many (most?) PowerShell cmdlets allow you to pass arrays as arguments</a:t>
+              <a:t>If you’re ever in a position where you’re wondering what the PowerShell team was thinking in implementing a feature in a particular way…</a:t>
             </a:r>
           </a:p>
           <a:p>
             <a:endParaRPr lang="en-US" dirty="0"/>
           </a:p>
           <a:p>
-            <a:r>
-              <a:rPr lang="en-US" dirty="0"/>
-              <a:t>Think about this scenario…</a:t>
-            </a:r>
-          </a:p>
-          <a:p>
+            <a:pPr lvl="1"/>
+            <a:r>
+              <a:rPr lang="en-US" dirty="0"/>
+              <a:t>Step back and look for their motivation.</a:t>
+            </a:r>
+          </a:p>
+          <a:p>
+            <a:pPr lvl="1"/>
             <a:endParaRPr lang="en-US" dirty="0"/>
           </a:p>
           <a:p>
-            <a:r>
-              <a:rPr lang="en-US" dirty="0"/>
-              <a:t>You have a farm of 1000 servers, and have the names in a variable called $servers.</a:t>
-            </a:r>
-          </a:p>
-          <a:p>
+            <a:pPr lvl="1"/>
             <a:endParaRPr lang="en-US" dirty="0"/>
           </a:p>
           <a:p>
-            <a:r>
-              <a:rPr lang="en-US" dirty="0"/>
-              <a:t>Get-</a:t>
-            </a:r>
-            <a:r>
-              <a:rPr lang="en-US" dirty="0" err="1"/>
-              <a:t>CimInstance</a:t>
-            </a:r>
-            <a:r>
-              <a:rPr lang="en-US" dirty="0"/>
-              <a:t> –Class Win32_OperatingSystem –</a:t>
-            </a:r>
-            <a:r>
-              <a:rPr lang="en-US" dirty="0" err="1"/>
-              <a:t>ComputernName</a:t>
-            </a:r>
-            <a:r>
-              <a:rPr lang="en-US" dirty="0"/>
-              <a:t> $servers</a:t>
-            </a:r>
-          </a:p>
-          <a:p>
-            <a:endParaRPr lang="en-US" dirty="0"/>
-          </a:p>
-          <a:p>
-            <a:r>
-              <a:rPr lang="en-US" dirty="0"/>
-              <a:t>What are the odds that all 1000 servers are responding at a given time.</a:t>
+            <a:pPr lvl="1"/>
+            <a:r>
+              <a:rPr lang="en-US" dirty="0"/>
+              <a:t>In my experience, every time I think that the PowerShell team got it wrong, I find that I’m completely missing the point.</a:t>
+            </a:r>
+          </a:p>
+          <a:p>
+            <a:pPr lvl="1"/>
+            <a:r>
+              <a:rPr lang="en-US" dirty="0"/>
+              <a:t>The PowerShell team (in my opinion) has done an exceptional job of creating a robust, flexible, extensible system and has been extremely insightful in their design.</a:t>
             </a:r>
           </a:p>
         </p:txBody>
@@ -8687,7 +8803,7 @@
     </p:spTree>
     <p:extLst>
       <p:ext uri="{BB962C8B-B14F-4D97-AF65-F5344CB8AC3E}">
-        <p14:creationId xmlns:p14="http://schemas.microsoft.com/office/powerpoint/2010/main" val="1480106145"/>
+        <p14:creationId xmlns:p14="http://schemas.microsoft.com/office/powerpoint/2010/main" val="3448572627"/>
       </p:ext>
     </p:extLst>
   </p:cSld>

--- a/PowerShell Error Handling.pptx
+++ b/PowerShell Error Handling.pptx
@@ -124,7 +124,7 @@
   </p:defaultTextStyle>
   <p:extLst>
     <p:ext uri="{EFAFB233-063F-42B5-8137-9DF3F51BA10A}">
-      <p15:sldGuideLst xmlns:p15="http://schemas.microsoft.com/office/powerpoint/2012/main"/>
+      <p15:sldGuideLst xmlns:p15="http://schemas.microsoft.com/office/powerpoint/2012/main" xmlns=""/>
     </p:ext>
   </p:extLst>
 </p:presentation>
@@ -133,11 +133,7 @@
 <file path=ppt/commentAuthors.xml><?xml version="1.0" encoding="utf-8"?>
 <p:cmAuthorLst xmlns:a="http://schemas.openxmlformats.org/drawingml/2006/main" xmlns:r="http://schemas.openxmlformats.org/officeDocument/2006/relationships" xmlns:p="http://schemas.openxmlformats.org/presentationml/2006/main">
   <p:cmAuthor id="1" name="Mike Shepard" initials="MS" lastIdx="1" clrIdx="0">
-    <p:extLst>
-      <p:ext uri="{19B8F6BF-5375-455C-9EA6-DF929625EA0E}">
-        <p15:presenceInfo xmlns:p15="http://schemas.microsoft.com/office/powerpoint/2012/main" userId="S-1-5-21-1974429084-947205456-1846434929-2982" providerId="AD"/>
-      </p:ext>
-    </p:extLst>
+    <p:extLst/>
   </p:cmAuthor>
 </p:cmAuthorLst>
 </file>
@@ -5946,6 +5942,13 @@
   <p:clrMapOvr>
     <a:masterClrMapping/>
   </p:clrMapOvr>
+  <p:timing>
+    <p:tnLst>
+      <p:par>
+        <p:cTn id="1" dur="indefinite" restart="never" nodeType="tmRoot"/>
+      </p:par>
+    </p:tnLst>
+  </p:timing>
 </p:sld>
 </file>
 
@@ -6053,12 +6056,16 @@
               <a:t> –Class Win32_OperatingSystem –</a:t>
             </a:r>
             <a:r>
-              <a:rPr lang="en-US" dirty="0" err="1"/>
-              <a:t>ComputernName</a:t>
-            </a:r>
-            <a:r>
-              <a:rPr lang="en-US" dirty="0"/>
-              <a:t> $servers</a:t>
+              <a:rPr lang="en-US" dirty="0" err="1" smtClean="0"/>
+              <a:t>ComputerName</a:t>
+            </a:r>
+            <a:r>
+              <a:rPr lang="en-US" dirty="0" smtClean="0"/>
+              <a:t> </a:t>
+            </a:r>
+            <a:r>
+              <a:rPr lang="en-US" dirty="0"/>
+              <a:t>$servers</a:t>
             </a:r>
           </a:p>
           <a:p>
@@ -7316,7 +7323,7 @@
         </p:spPr>
         <p:txBody>
           <a:bodyPr>
-            <a:normAutofit fontScale="92500" lnSpcReduction="10000"/>
+            <a:normAutofit fontScale="62500" lnSpcReduction="20000"/>
           </a:bodyPr>
           <a:lstStyle/>
           <a:p>
@@ -7333,11 +7340,25 @@
             </a:r>
             <a:r>
               <a:rPr lang="en-US" dirty="0"/>
-              <a:t> {“Server$_”}</a:t>
+              <a:t> {“Server</a:t>
+            </a:r>
+            <a:r>
+              <a:rPr lang="en-US" dirty="0" smtClean="0"/>
+              <a:t>$_”}</a:t>
             </a:r>
           </a:p>
           <a:p>
             <a:pPr marL="0" indent="0">
+              <a:buNone/>
+            </a:pPr>
+            <a:r>
+              <a:rPr lang="en-US" dirty="0" smtClean="0"/>
+              <a:t>Try {</a:t>
+            </a:r>
+            <a:endParaRPr lang="en-US" dirty="0"/>
+          </a:p>
+          <a:p>
+            <a:pPr marL="400050" lvl="1" indent="0">
               <a:buNone/>
             </a:pPr>
             <a:r>
@@ -7378,7 +7399,7 @@
             </a:r>
           </a:p>
           <a:p>
-            <a:pPr marL="0" indent="0">
+            <a:pPr marL="400050" lvl="1" indent="0">
               <a:buNone/>
             </a:pPr>
             <a:r>
@@ -7416,7 +7437,7 @@
             <a:endParaRPr lang="en-US" dirty="0"/>
           </a:p>
           <a:p>
-            <a:pPr marL="0" indent="0">
+            <a:pPr marL="400050" lvl="1" indent="0">
               <a:buNone/>
             </a:pPr>
             <a:r>
@@ -7429,7 +7450,7 @@
             </a:r>
           </a:p>
           <a:p>
-            <a:pPr marL="0" indent="0">
+            <a:pPr marL="400050" lvl="1" indent="0">
               <a:buNone/>
             </a:pPr>
             <a:r>
@@ -7450,13 +7471,58 @@
             </a:r>
           </a:p>
           <a:p>
+            <a:pPr marL="400050" lvl="1" indent="0">
+              <a:buNone/>
+            </a:pPr>
+            <a:r>
+              <a:rPr lang="en-US" dirty="0" smtClean="0"/>
+              <a:t>}</a:t>
+            </a:r>
+          </a:p>
+          <a:p>
             <a:pPr marL="0" indent="0">
               <a:buNone/>
             </a:pPr>
             <a:r>
+              <a:rPr lang="en-US" dirty="0" smtClean="0"/>
+              <a:t>} catch {</a:t>
+            </a:r>
+          </a:p>
+          <a:p>
+            <a:pPr marL="0" indent="0">
+              <a:buNone/>
+            </a:pPr>
+            <a:r>
+              <a:rPr lang="en-US" dirty="0"/>
+              <a:t> </a:t>
+            </a:r>
+            <a:r>
+              <a:rPr lang="en-US" dirty="0" smtClean="0"/>
+              <a:t>  $err=$_</a:t>
+            </a:r>
+          </a:p>
+          <a:p>
+            <a:pPr marL="0" indent="0">
+              <a:buNone/>
+            </a:pPr>
+            <a:r>
+              <a:rPr lang="en-US" dirty="0"/>
+              <a:t> </a:t>
+            </a:r>
+            <a:r>
+              <a:rPr lang="en-US" dirty="0" smtClean="0"/>
+              <a:t>  #do something else</a:t>
+            </a:r>
+          </a:p>
+          <a:p>
+            <a:pPr marL="0" indent="0">
+              <a:buNone/>
+            </a:pPr>
+            <a:r>
               <a:rPr lang="en-US" dirty="0"/>
               <a:t>}</a:t>
             </a:r>
+            <a:endParaRPr lang="en-US" dirty="0"/>
           </a:p>
           <a:p>
             <a:endParaRPr lang="en-US" dirty="0"/>
@@ -7861,7 +7927,7 @@
           <p:nvPr/>
         </p:nvPicPr>
         <p:blipFill>
-          <a:blip r:embed="rId5">
+          <a:blip r:embed="rId5" cstate="print">
             <a:extLst>
               <a:ext uri="{28A0092B-C50C-407E-A947-70E740481C1C}">
                 <a14:useLocalDpi xmlns:a14="http://schemas.microsoft.com/office/drawing/2010/main" val="0"/>
@@ -7903,6 +7969,13 @@
   <p:clrMapOvr>
     <a:masterClrMapping/>
   </p:clrMapOvr>
+  <p:timing>
+    <p:tnLst>
+      <p:par>
+        <p:cTn id="1" dur="indefinite" restart="never" nodeType="tmRoot"/>
+      </p:par>
+    </p:tnLst>
+  </p:timing>
 </p:sld>
 </file>
 
@@ -8013,6 +8086,13 @@
   <p:clrMapOvr>
     <a:masterClrMapping/>
   </p:clrMapOvr>
+  <p:timing>
+    <p:tnLst>
+      <p:par>
+        <p:cTn id="1" dur="indefinite" restart="never" nodeType="tmRoot"/>
+      </p:par>
+    </p:tnLst>
+  </p:timing>
 </p:sld>
 </file>
 
@@ -8160,6 +8240,13 @@
   <p:clrMapOvr>
     <a:masterClrMapping/>
   </p:clrMapOvr>
+  <p:timing>
+    <p:tnLst>
+      <p:par>
+        <p:cTn id="1" dur="indefinite" restart="never" nodeType="tmRoot"/>
+      </p:par>
+    </p:tnLst>
+  </p:timing>
 </p:sld>
 </file>
 
@@ -8269,6 +8356,13 @@
   <p:clrMapOvr>
     <a:masterClrMapping/>
   </p:clrMapOvr>
+  <p:timing>
+    <p:tnLst>
+      <p:par>
+        <p:cTn id="1" dur="indefinite" restart="never" nodeType="tmRoot"/>
+      </p:par>
+    </p:tnLst>
+  </p:timing>
 </p:sld>
 </file>
 
@@ -8449,6 +8543,13 @@
   <p:clrMapOvr>
     <a:masterClrMapping/>
   </p:clrMapOvr>
+  <p:timing>
+    <p:tnLst>
+      <p:par>
+        <p:cTn id="1" dur="indefinite" restart="never" nodeType="tmRoot"/>
+      </p:par>
+    </p:tnLst>
+  </p:timing>
 </p:sld>
 </file>
 
@@ -9064,7 +9165,7 @@
   <a:extraClrSchemeLst/>
   <a:extLst>
     <a:ext uri="{05A4C25C-085E-4340-85A3-A5531E510DB2}">
-      <thm15:themeFamily xmlns:thm15="http://schemas.microsoft.com/office/thememl/2012/main" name="Facet" id="{C0C680CD-088A-49FC-A102-D699147F32B2}" vid="{0B5AB586-D108-4FC1-8368-649FE654B894}"/>
+      <thm15:themeFamily xmlns:thm15="http://schemas.microsoft.com/office/thememl/2012/main" xmlns="" name="Facet" id="{C0C680CD-088A-49FC-A102-D699147F32B2}" vid="{0B5AB586-D108-4FC1-8368-649FE654B894}"/>
     </a:ext>
   </a:extLst>
 </a:theme>
